--- a/Git Version Control.pptx
+++ b/Git Version Control.pptx
@@ -7158,7 +7158,7 @@
             </a:pPr>
             <a:r>
               <a:rPr lang="en"/>
-              <a:t>Git push</a:t>
+              <a:t>Git workflow</a:t>
             </a:r>
             <a:endParaRPr/>
           </a:p>
@@ -7175,24 +7175,22 @@
             </a:pPr>
             <a:r>
               <a:rPr lang="en"/>
-              <a:t>Git workflow</a:t>
+              <a:t>Git push</a:t>
             </a:r>
             <a:endParaRPr/>
           </a:p>
           <a:p>
-            <a:pPr indent="-342900" lvl="0" marL="457200" rtl="0" algn="l">
-              <a:spcBef>
-                <a:spcPts val="0"/>
-              </a:spcBef>
-              <a:spcAft>
-                <a:spcPts val="0"/>
-              </a:spcAft>
-              <a:buSzPts val="1800"/>
-              <a:buAutoNum type="arabicPeriod"/>
-            </a:pPr>
-            <a:r>
-              <a:rPr lang="en"/>
-              <a:t>Merge conflicts</a:t>
+            <a:pPr indent="0" lvl="0" marL="457200" rtl="0" algn="l">
+              <a:spcBef>
+                <a:spcPts val="1600"/>
+              </a:spcBef>
+              <a:spcAft>
+                <a:spcPts val="1600"/>
+              </a:spcAft>
+              <a:buNone/>
+            </a:pPr>
+            <a:r>
+              <a:t/>
             </a:r>
             <a:endParaRPr/>
           </a:p>
